--- a/Documents/Architecture.pptx
+++ b/Documents/Architecture.pptx
@@ -6,6 +6,7 @@
   </p:sldMasterIdLst>
   <p:sldIdLst>
     <p:sldId id="256" r:id="rId2"/>
+    <p:sldId id="257" r:id="rId3"/>
   </p:sldIdLst>
   <p:sldSz cx="12192000" cy="6858000"/>
   <p:notesSz cx="6858000" cy="9144000"/>
@@ -104,6 +105,21 @@
       </a:defRPr>
     </a:lvl9pPr>
   </p:defaultTextStyle>
+  <p:extLst>
+    <p:ext uri="{521415D9-36F7-43E2-AB2F-B90AF26B5E84}">
+      <p14:sectionLst xmlns:p14="http://schemas.microsoft.com/office/powerpoint/2010/main">
+        <p14:section name="Default Section" id="{A2EE456A-8BC1-4040-A780-4E41AC6EE33F}">
+          <p14:sldIdLst>
+            <p14:sldId id="256"/>
+            <p14:sldId id="257"/>
+          </p14:sldIdLst>
+        </p14:section>
+      </p14:sectionLst>
+    </p:ext>
+    <p:ext uri="{EFAFB233-063F-42B5-8137-9DF3F51BA10A}">
+      <p15:sldGuideLst xmlns:p15="http://schemas.microsoft.com/office/powerpoint/2012/main"/>
+    </p:ext>
+  </p:extLst>
 </p:presentation>
 </file>
 
@@ -254,7 +270,7 @@
           <a:p>
             <a:fld id="{10C76E82-1A7C-48DD-A84F-0FF0AF0A7EA3}" type="datetimeFigureOut">
               <a:rPr lang="en-US" smtClean="0"/>
-              <a:t>5/25/2019</a:t>
+              <a:t>5/27/2019</a:t>
             </a:fld>
             <a:endParaRPr lang="en-US"/>
           </a:p>
@@ -452,7 +468,7 @@
           <a:p>
             <a:fld id="{10C76E82-1A7C-48DD-A84F-0FF0AF0A7EA3}" type="datetimeFigureOut">
               <a:rPr lang="en-US" smtClean="0"/>
-              <a:t>5/25/2019</a:t>
+              <a:t>5/27/2019</a:t>
             </a:fld>
             <a:endParaRPr lang="en-US"/>
           </a:p>
@@ -660,7 +676,7 @@
           <a:p>
             <a:fld id="{10C76E82-1A7C-48DD-A84F-0FF0AF0A7EA3}" type="datetimeFigureOut">
               <a:rPr lang="en-US" smtClean="0"/>
-              <a:t>5/25/2019</a:t>
+              <a:t>5/27/2019</a:t>
             </a:fld>
             <a:endParaRPr lang="en-US"/>
           </a:p>
@@ -858,7 +874,7 @@
           <a:p>
             <a:fld id="{10C76E82-1A7C-48DD-A84F-0FF0AF0A7EA3}" type="datetimeFigureOut">
               <a:rPr lang="en-US" smtClean="0"/>
-              <a:t>5/25/2019</a:t>
+              <a:t>5/27/2019</a:t>
             </a:fld>
             <a:endParaRPr lang="en-US"/>
           </a:p>
@@ -1133,7 +1149,7 @@
           <a:p>
             <a:fld id="{10C76E82-1A7C-48DD-A84F-0FF0AF0A7EA3}" type="datetimeFigureOut">
               <a:rPr lang="en-US" smtClean="0"/>
-              <a:t>5/25/2019</a:t>
+              <a:t>5/27/2019</a:t>
             </a:fld>
             <a:endParaRPr lang="en-US"/>
           </a:p>
@@ -1398,7 +1414,7 @@
           <a:p>
             <a:fld id="{10C76E82-1A7C-48DD-A84F-0FF0AF0A7EA3}" type="datetimeFigureOut">
               <a:rPr lang="en-US" smtClean="0"/>
-              <a:t>5/25/2019</a:t>
+              <a:t>5/27/2019</a:t>
             </a:fld>
             <a:endParaRPr lang="en-US"/>
           </a:p>
@@ -1810,7 +1826,7 @@
           <a:p>
             <a:fld id="{10C76E82-1A7C-48DD-A84F-0FF0AF0A7EA3}" type="datetimeFigureOut">
               <a:rPr lang="en-US" smtClean="0"/>
-              <a:t>5/25/2019</a:t>
+              <a:t>5/27/2019</a:t>
             </a:fld>
             <a:endParaRPr lang="en-US"/>
           </a:p>
@@ -1951,7 +1967,7 @@
           <a:p>
             <a:fld id="{10C76E82-1A7C-48DD-A84F-0FF0AF0A7EA3}" type="datetimeFigureOut">
               <a:rPr lang="en-US" smtClean="0"/>
-              <a:t>5/25/2019</a:t>
+              <a:t>5/27/2019</a:t>
             </a:fld>
             <a:endParaRPr lang="en-US"/>
           </a:p>
@@ -2064,7 +2080,7 @@
           <a:p>
             <a:fld id="{10C76E82-1A7C-48DD-A84F-0FF0AF0A7EA3}" type="datetimeFigureOut">
               <a:rPr lang="en-US" smtClean="0"/>
-              <a:t>5/25/2019</a:t>
+              <a:t>5/27/2019</a:t>
             </a:fld>
             <a:endParaRPr lang="en-US"/>
           </a:p>
@@ -2375,7 +2391,7 @@
           <a:p>
             <a:fld id="{10C76E82-1A7C-48DD-A84F-0FF0AF0A7EA3}" type="datetimeFigureOut">
               <a:rPr lang="en-US" smtClean="0"/>
-              <a:t>5/25/2019</a:t>
+              <a:t>5/27/2019</a:t>
             </a:fld>
             <a:endParaRPr lang="en-US"/>
           </a:p>
@@ -2663,7 +2679,7 @@
           <a:p>
             <a:fld id="{10C76E82-1A7C-48DD-A84F-0FF0AF0A7EA3}" type="datetimeFigureOut">
               <a:rPr lang="en-US" smtClean="0"/>
-              <a:t>5/25/2019</a:t>
+              <a:t>5/27/2019</a:t>
             </a:fld>
             <a:endParaRPr lang="en-US"/>
           </a:p>
@@ -2904,7 +2920,7 @@
           <a:p>
             <a:fld id="{10C76E82-1A7C-48DD-A84F-0FF0AF0A7EA3}" type="datetimeFigureOut">
               <a:rPr lang="en-US" smtClean="0"/>
-              <a:t>5/25/2019</a:t>
+              <a:t>5/27/2019</a:t>
             </a:fld>
             <a:endParaRPr lang="en-US"/>
           </a:p>
@@ -3349,7 +3365,7 @@
         </p:blipFill>
         <p:spPr>
           <a:xfrm flipH="1">
-            <a:off x="2296687" y="2713164"/>
+            <a:off x="2101681" y="2631274"/>
             <a:ext cx="483586" cy="469900"/>
           </a:xfrm>
           <a:prstGeom prst="rect">
@@ -3371,7 +3387,7 @@
         </p:nvSpPr>
         <p:spPr>
           <a:xfrm>
-            <a:off x="1776548" y="3279579"/>
+            <a:off x="1581542" y="3197689"/>
             <a:ext cx="1523865" cy="523220"/>
           </a:xfrm>
           <a:prstGeom prst="rect">
@@ -3425,7 +3441,7 @@
         </p:blipFill>
         <p:spPr>
           <a:xfrm flipH="1">
-            <a:off x="9341923" y="2684639"/>
+            <a:off x="8724085" y="2631274"/>
             <a:ext cx="483586" cy="469900"/>
           </a:xfrm>
           <a:prstGeom prst="rect">
@@ -3447,7 +3463,7 @@
         </p:nvSpPr>
         <p:spPr>
           <a:xfrm>
-            <a:off x="8821784" y="3251054"/>
+            <a:off x="8203946" y="3197689"/>
             <a:ext cx="1523865" cy="523220"/>
           </a:xfrm>
           <a:prstGeom prst="rect">
@@ -3473,10 +3489,664 @@
           </a:p>
         </p:txBody>
       </p:sp>
+      <p:sp>
+        <p:nvSpPr>
+          <p:cNvPr id="8" name="Rectangle 7">
+            <a:extLst>
+              <a:ext uri="{FF2B5EF4-FFF2-40B4-BE49-F238E27FC236}">
+                <a16:creationId xmlns:a16="http://schemas.microsoft.com/office/drawing/2014/main" id="{56133029-0521-4305-BAA9-C957B612C195}"/>
+              </a:ext>
+            </a:extLst>
+          </p:cNvPr>
+          <p:cNvSpPr/>
+          <p:nvPr/>
+        </p:nvSpPr>
+        <p:spPr>
+          <a:xfrm>
+            <a:off x="3690255" y="2631274"/>
+            <a:ext cx="1765300" cy="1143000"/>
+          </a:xfrm>
+          <a:prstGeom prst="rect">
+            <a:avLst/>
+          </a:prstGeom>
+          <a:noFill/>
+          <a:ln w="12700">
+            <a:solidFill>
+              <a:srgbClr val="5A6B86"/>
+            </a:solidFill>
+          </a:ln>
+        </p:spPr>
+        <p:style>
+          <a:lnRef idx="2">
+            <a:schemeClr val="accent1">
+              <a:shade val="50000"/>
+            </a:schemeClr>
+          </a:lnRef>
+          <a:fillRef idx="1">
+            <a:schemeClr val="accent1"/>
+          </a:fillRef>
+          <a:effectRef idx="0">
+            <a:schemeClr val="accent1"/>
+          </a:effectRef>
+          <a:fontRef idx="minor">
+            <a:schemeClr val="lt1"/>
+          </a:fontRef>
+        </p:style>
+        <p:txBody>
+          <a:bodyPr rot="0" spcFirstLastPara="0" vertOverflow="overflow" horzOverflow="overflow" vert="horz" wrap="square" lIns="457200" tIns="91440" rIns="91440" bIns="45720" numCol="1" spcCol="0" rtlCol="0" fromWordArt="0" anchor="t" anchorCtr="0" forceAA="0" compatLnSpc="1">
+            <a:prstTxWarp prst="textNoShape">
+              <a:avLst/>
+            </a:prstTxWarp>
+            <a:noAutofit/>
+          </a:bodyPr>
+          <a:lstStyle/>
+          <a:p>
+            <a:pPr algn="l"/>
+            <a:r>
+              <a:rPr lang="en-US" sz="1200" dirty="0">
+                <a:solidFill>
+                  <a:srgbClr val="5A6B86"/>
+                </a:solidFill>
+              </a:rPr>
+              <a:t>On-premise</a:t>
+            </a:r>
+          </a:p>
+          <a:p>
+            <a:pPr algn="l"/>
+            <a:endParaRPr lang="en-US" sz="1200" dirty="0">
+              <a:solidFill>
+                <a:srgbClr val="5A6B86"/>
+              </a:solidFill>
+            </a:endParaRPr>
+          </a:p>
+          <a:p>
+            <a:r>
+              <a:rPr lang="en-US" sz="1200" dirty="0">
+                <a:solidFill>
+                  <a:srgbClr val="5A6B86"/>
+                </a:solidFill>
+              </a:rPr>
+              <a:t>Packed application</a:t>
+            </a:r>
+          </a:p>
+        </p:txBody>
+      </p:sp>
+      <p:pic>
+        <p:nvPicPr>
+          <p:cNvPr id="9" name="Graphic 8">
+            <a:extLst>
+              <a:ext uri="{FF2B5EF4-FFF2-40B4-BE49-F238E27FC236}">
+                <a16:creationId xmlns:a16="http://schemas.microsoft.com/office/drawing/2014/main" id="{2B65B23F-87E3-4BDD-84DB-D6ADECCAECCE}"/>
+              </a:ext>
+            </a:extLst>
+          </p:cNvPr>
+          <p:cNvPicPr>
+            <a:picLocks noChangeAspect="1"/>
+          </p:cNvPicPr>
+          <p:nvPr/>
+        </p:nvPicPr>
+        <p:blipFill>
+          <a:blip r:embed="rId4">
+            <a:extLst>
+              <a:ext uri="{96DAC541-7B7A-43D3-8B79-37D633B846F1}">
+                <asvg:svgBlip xmlns:asvg="http://schemas.microsoft.com/office/drawing/2016/SVG/main" r:embed="rId5"/>
+              </a:ext>
+            </a:extLst>
+          </a:blip>
+          <a:stretch>
+            <a:fillRect/>
+          </a:stretch>
+        </p:blipFill>
+        <p:spPr>
+          <a:xfrm>
+            <a:off x="3690255" y="2631274"/>
+            <a:ext cx="330200" cy="330200"/>
+          </a:xfrm>
+          <a:prstGeom prst="rect">
+            <a:avLst/>
+          </a:prstGeom>
+        </p:spPr>
+      </p:pic>
+      <p:pic>
+        <p:nvPicPr>
+          <p:cNvPr id="10" name="Graphic 9">
+            <a:extLst>
+              <a:ext uri="{FF2B5EF4-FFF2-40B4-BE49-F238E27FC236}">
+                <a16:creationId xmlns:a16="http://schemas.microsoft.com/office/drawing/2014/main" id="{8AB239F1-943E-4D5E-81D1-2F3E28417749}"/>
+              </a:ext>
+            </a:extLst>
+          </p:cNvPr>
+          <p:cNvPicPr>
+            <a:picLocks noChangeAspect="1"/>
+          </p:cNvPicPr>
+          <p:nvPr/>
+        </p:nvPicPr>
+        <p:blipFill>
+          <a:blip r:embed="rId6">
+            <a:extLst>
+              <a:ext uri="{96DAC541-7B7A-43D3-8B79-37D633B846F1}">
+                <asvg:svgBlip xmlns:asvg="http://schemas.microsoft.com/office/drawing/2016/SVG/main" r:embed="rId7"/>
+              </a:ext>
+            </a:extLst>
+          </a:blip>
+          <a:stretch>
+            <a:fillRect/>
+          </a:stretch>
+        </p:blipFill>
+        <p:spPr>
+          <a:xfrm>
+            <a:off x="6040403" y="2631274"/>
+            <a:ext cx="330200" cy="330200"/>
+          </a:xfrm>
+          <a:prstGeom prst="rect">
+            <a:avLst/>
+          </a:prstGeom>
+        </p:spPr>
+      </p:pic>
+      <p:sp>
+        <p:nvSpPr>
+          <p:cNvPr id="11" name="Rectangle 10">
+            <a:extLst>
+              <a:ext uri="{FF2B5EF4-FFF2-40B4-BE49-F238E27FC236}">
+                <a16:creationId xmlns:a16="http://schemas.microsoft.com/office/drawing/2014/main" id="{B09EDCFD-2676-4015-B940-4625682BA857}"/>
+              </a:ext>
+            </a:extLst>
+          </p:cNvPr>
+          <p:cNvSpPr/>
+          <p:nvPr/>
+        </p:nvSpPr>
+        <p:spPr>
+          <a:xfrm>
+            <a:off x="6040403" y="2631274"/>
+            <a:ext cx="1765300" cy="1143000"/>
+          </a:xfrm>
+          <a:prstGeom prst="rect">
+            <a:avLst/>
+          </a:prstGeom>
+          <a:noFill/>
+          <a:ln w="12700">
+            <a:solidFill>
+              <a:schemeClr val="tx1"/>
+            </a:solidFill>
+          </a:ln>
+        </p:spPr>
+        <p:style>
+          <a:lnRef idx="2">
+            <a:schemeClr val="accent1">
+              <a:shade val="50000"/>
+            </a:schemeClr>
+          </a:lnRef>
+          <a:fillRef idx="1">
+            <a:schemeClr val="accent1"/>
+          </a:fillRef>
+          <a:effectRef idx="0">
+            <a:schemeClr val="accent1"/>
+          </a:effectRef>
+          <a:fontRef idx="minor">
+            <a:schemeClr val="lt1"/>
+          </a:fontRef>
+        </p:style>
+        <p:txBody>
+          <a:bodyPr rot="0" spcFirstLastPara="0" vertOverflow="overflow" horzOverflow="overflow" vert="horz" wrap="square" lIns="457200" tIns="91440" rIns="91440" bIns="45720" numCol="1" spcCol="0" rtlCol="0" fromWordArt="0" anchor="t" anchorCtr="0" forceAA="0" compatLnSpc="1">
+            <a:prstTxWarp prst="textNoShape">
+              <a:avLst/>
+            </a:prstTxWarp>
+            <a:noAutofit/>
+          </a:bodyPr>
+          <a:lstStyle/>
+          <a:p>
+            <a:pPr algn="l"/>
+            <a:r>
+              <a:rPr lang="en-US" sz="1200" dirty="0">
+                <a:ln w="0"/>
+                <a:solidFill>
+                  <a:sysClr val="windowText" lastClr="000000"/>
+                </a:solidFill>
+              </a:rPr>
+              <a:t>Cloud</a:t>
+            </a:r>
+          </a:p>
+          <a:p>
+            <a:pPr algn="l"/>
+            <a:endParaRPr lang="en-US" sz="1200" dirty="0">
+              <a:ln w="0"/>
+              <a:solidFill>
+                <a:sysClr val="windowText" lastClr="000000"/>
+              </a:solidFill>
+            </a:endParaRPr>
+          </a:p>
+          <a:p>
+            <a:pPr algn="l"/>
+            <a:r>
+              <a:rPr lang="en-US" sz="1200" dirty="0">
+                <a:ln w="0"/>
+                <a:solidFill>
+                  <a:sysClr val="windowText" lastClr="000000"/>
+                </a:solidFill>
+              </a:rPr>
+              <a:t>Framework</a:t>
+            </a:r>
+          </a:p>
+        </p:txBody>
+      </p:sp>
+      <p:cxnSp>
+        <p:nvCxnSpPr>
+          <p:cNvPr id="12" name="Straight Arrow Connector 11">
+            <a:extLst>
+              <a:ext uri="{FF2B5EF4-FFF2-40B4-BE49-F238E27FC236}">
+                <a16:creationId xmlns:a16="http://schemas.microsoft.com/office/drawing/2014/main" id="{72E864C6-50EC-431C-BC7A-7214F40ACEE5}"/>
+              </a:ext>
+            </a:extLst>
+          </p:cNvPr>
+          <p:cNvCxnSpPr>
+            <a:cxnSpLocks/>
+          </p:cNvCxnSpPr>
+          <p:nvPr/>
+        </p:nvCxnSpPr>
+        <p:spPr>
+          <a:xfrm>
+            <a:off x="3186246" y="3197689"/>
+            <a:ext cx="323072" cy="0"/>
+          </a:xfrm>
+          <a:prstGeom prst="straightConnector1">
+            <a:avLst/>
+          </a:prstGeom>
+          <a:ln w="12700">
+            <a:solidFill>
+              <a:srgbClr val="545B64"/>
+            </a:solidFill>
+            <a:headEnd type="none" w="med" len="sm"/>
+            <a:tailEnd type="arrow" w="med" len="sm"/>
+          </a:ln>
+        </p:spPr>
+        <p:style>
+          <a:lnRef idx="1">
+            <a:schemeClr val="accent1"/>
+          </a:lnRef>
+          <a:fillRef idx="0">
+            <a:schemeClr val="accent1"/>
+          </a:fillRef>
+          <a:effectRef idx="0">
+            <a:schemeClr val="accent1"/>
+          </a:effectRef>
+          <a:fontRef idx="minor">
+            <a:schemeClr val="tx1"/>
+          </a:fontRef>
+        </p:style>
+      </p:cxnSp>
+      <p:cxnSp>
+        <p:nvCxnSpPr>
+          <p:cNvPr id="13" name="Straight Arrow Connector 12">
+            <a:extLst>
+              <a:ext uri="{FF2B5EF4-FFF2-40B4-BE49-F238E27FC236}">
+                <a16:creationId xmlns:a16="http://schemas.microsoft.com/office/drawing/2014/main" id="{09A807BA-3D63-4E7D-9020-DCF6C74ECC8A}"/>
+              </a:ext>
+            </a:extLst>
+          </p:cNvPr>
+          <p:cNvCxnSpPr>
+            <a:cxnSpLocks/>
+          </p:cNvCxnSpPr>
+          <p:nvPr/>
+        </p:nvCxnSpPr>
+        <p:spPr>
+          <a:xfrm>
+            <a:off x="5587575" y="3197689"/>
+            <a:ext cx="323072" cy="0"/>
+          </a:xfrm>
+          <a:prstGeom prst="straightConnector1">
+            <a:avLst/>
+          </a:prstGeom>
+          <a:ln w="12700">
+            <a:solidFill>
+              <a:srgbClr val="545B64"/>
+            </a:solidFill>
+            <a:headEnd type="none" w="med" len="sm"/>
+            <a:tailEnd type="arrow" w="med" len="sm"/>
+          </a:ln>
+        </p:spPr>
+        <p:style>
+          <a:lnRef idx="1">
+            <a:schemeClr val="accent1"/>
+          </a:lnRef>
+          <a:fillRef idx="0">
+            <a:schemeClr val="accent1"/>
+          </a:fillRef>
+          <a:effectRef idx="0">
+            <a:schemeClr val="accent1"/>
+          </a:effectRef>
+          <a:fontRef idx="minor">
+            <a:schemeClr val="tx1"/>
+          </a:fontRef>
+        </p:style>
+      </p:cxnSp>
+      <p:cxnSp>
+        <p:nvCxnSpPr>
+          <p:cNvPr id="14" name="Straight Arrow Connector 13">
+            <a:extLst>
+              <a:ext uri="{FF2B5EF4-FFF2-40B4-BE49-F238E27FC236}">
+                <a16:creationId xmlns:a16="http://schemas.microsoft.com/office/drawing/2014/main" id="{CC105460-8CC9-447A-AC40-3D726283DBCF}"/>
+              </a:ext>
+            </a:extLst>
+          </p:cNvPr>
+          <p:cNvCxnSpPr>
+            <a:cxnSpLocks/>
+          </p:cNvCxnSpPr>
+          <p:nvPr/>
+        </p:nvCxnSpPr>
+        <p:spPr>
+          <a:xfrm>
+            <a:off x="7880874" y="3211454"/>
+            <a:ext cx="323072" cy="0"/>
+          </a:xfrm>
+          <a:prstGeom prst="straightConnector1">
+            <a:avLst/>
+          </a:prstGeom>
+          <a:ln w="12700">
+            <a:solidFill>
+              <a:srgbClr val="545B64"/>
+            </a:solidFill>
+            <a:headEnd type="none" w="med" len="sm"/>
+            <a:tailEnd type="arrow" w="med" len="sm"/>
+          </a:ln>
+        </p:spPr>
+        <p:style>
+          <a:lnRef idx="1">
+            <a:schemeClr val="accent1"/>
+          </a:lnRef>
+          <a:fillRef idx="0">
+            <a:schemeClr val="accent1"/>
+          </a:fillRef>
+          <a:effectRef idx="0">
+            <a:schemeClr val="accent1"/>
+          </a:effectRef>
+          <a:fontRef idx="minor">
+            <a:schemeClr val="tx1"/>
+          </a:fontRef>
+        </p:style>
+      </p:cxnSp>
     </p:spTree>
     <p:extLst>
       <p:ext uri="{BB962C8B-B14F-4D97-AF65-F5344CB8AC3E}">
         <p14:creationId xmlns:p14="http://schemas.microsoft.com/office/powerpoint/2010/main" val="240471836"/>
+      </p:ext>
+    </p:extLst>
+  </p:cSld>
+  <p:clrMapOvr>
+    <a:masterClrMapping/>
+  </p:clrMapOvr>
+</p:sld>
+</file>
+
+<file path=ppt/slides/slide2.xml><?xml version="1.0" encoding="utf-8"?>
+<p:sld xmlns:a="http://schemas.openxmlformats.org/drawingml/2006/main" xmlns:r="http://schemas.openxmlformats.org/officeDocument/2006/relationships" xmlns:p="http://schemas.openxmlformats.org/presentationml/2006/main">
+  <p:cSld>
+    <p:spTree>
+      <p:nvGrpSpPr>
+        <p:cNvPr id="1" name=""/>
+        <p:cNvGrpSpPr/>
+        <p:nvPr/>
+      </p:nvGrpSpPr>
+      <p:grpSpPr>
+        <a:xfrm>
+          <a:off x="0" y="0"/>
+          <a:ext cx="0" cy="0"/>
+          <a:chOff x="0" y="0"/>
+          <a:chExt cx="0" cy="0"/>
+        </a:xfrm>
+      </p:grpSpPr>
+      <p:pic>
+        <p:nvPicPr>
+          <p:cNvPr id="4" name="Graphic 3">
+            <a:extLst>
+              <a:ext uri="{FF2B5EF4-FFF2-40B4-BE49-F238E27FC236}">
+                <a16:creationId xmlns:a16="http://schemas.microsoft.com/office/drawing/2014/main" id="{E3A09A83-B11B-48C9-AA33-6C940DA85C72}"/>
+              </a:ext>
+            </a:extLst>
+          </p:cNvPr>
+          <p:cNvPicPr>
+            <a:picLocks noChangeAspect="1"/>
+          </p:cNvPicPr>
+          <p:nvPr/>
+        </p:nvPicPr>
+        <p:blipFill>
+          <a:blip r:embed="rId2">
+            <a:extLst>
+              <a:ext uri="{96DAC541-7B7A-43D3-8B79-37D633B846F1}">
+                <asvg:svgBlip xmlns:asvg="http://schemas.microsoft.com/office/drawing/2016/SVG/main" r:embed="rId3"/>
+              </a:ext>
+            </a:extLst>
+          </a:blip>
+          <a:stretch>
+            <a:fillRect/>
+          </a:stretch>
+        </p:blipFill>
+        <p:spPr>
+          <a:xfrm>
+            <a:off x="2473419" y="1403837"/>
+            <a:ext cx="330200" cy="330200"/>
+          </a:xfrm>
+          <a:prstGeom prst="rect">
+            <a:avLst/>
+          </a:prstGeom>
+        </p:spPr>
+      </p:pic>
+      <p:sp>
+        <p:nvSpPr>
+          <p:cNvPr id="5" name="Rectangle 4">
+            <a:extLst>
+              <a:ext uri="{FF2B5EF4-FFF2-40B4-BE49-F238E27FC236}">
+                <a16:creationId xmlns:a16="http://schemas.microsoft.com/office/drawing/2014/main" id="{F33D8AF9-66A9-4F26-91A7-47135A0B4982}"/>
+              </a:ext>
+            </a:extLst>
+          </p:cNvPr>
+          <p:cNvSpPr/>
+          <p:nvPr/>
+        </p:nvSpPr>
+        <p:spPr>
+          <a:xfrm>
+            <a:off x="2473418" y="1403837"/>
+            <a:ext cx="5640851" cy="2665655"/>
+          </a:xfrm>
+          <a:prstGeom prst="rect">
+            <a:avLst/>
+          </a:prstGeom>
+          <a:noFill/>
+          <a:ln w="12700">
+            <a:solidFill>
+              <a:schemeClr val="tx1"/>
+            </a:solidFill>
+          </a:ln>
+        </p:spPr>
+        <p:style>
+          <a:lnRef idx="2">
+            <a:schemeClr val="accent1">
+              <a:shade val="50000"/>
+            </a:schemeClr>
+          </a:lnRef>
+          <a:fillRef idx="1">
+            <a:schemeClr val="accent1"/>
+          </a:fillRef>
+          <a:effectRef idx="0">
+            <a:schemeClr val="accent1"/>
+          </a:effectRef>
+          <a:fontRef idx="minor">
+            <a:schemeClr val="lt1"/>
+          </a:fontRef>
+        </p:style>
+        <p:txBody>
+          <a:bodyPr rot="0" spcFirstLastPara="0" vertOverflow="overflow" horzOverflow="overflow" vert="horz" wrap="square" lIns="457200" tIns="91440" rIns="91440" bIns="45720" numCol="1" spcCol="0" rtlCol="0" fromWordArt="0" anchor="t" anchorCtr="0" forceAA="0" compatLnSpc="1">
+            <a:prstTxWarp prst="textNoShape">
+              <a:avLst/>
+            </a:prstTxWarp>
+            <a:noAutofit/>
+          </a:bodyPr>
+          <a:lstStyle/>
+          <a:p>
+            <a:pPr algn="l"/>
+            <a:r>
+              <a:rPr lang="en-US" sz="1200" dirty="0">
+                <a:ln w="0"/>
+                <a:solidFill>
+                  <a:sysClr val="windowText" lastClr="000000"/>
+                </a:solidFill>
+              </a:rPr>
+              <a:t>Framework</a:t>
+            </a:r>
+          </a:p>
+          <a:p>
+            <a:pPr algn="l"/>
+            <a:endParaRPr lang="en-US" sz="1200" dirty="0">
+              <a:ln w="0"/>
+              <a:solidFill>
+                <a:sysClr val="windowText" lastClr="000000"/>
+              </a:solidFill>
+            </a:endParaRPr>
+          </a:p>
+          <a:p>
+            <a:pPr algn="l"/>
+            <a:endParaRPr lang="en-US" sz="1200" dirty="0">
+              <a:ln w="0"/>
+              <a:solidFill>
+                <a:sysClr val="windowText" lastClr="000000"/>
+              </a:solidFill>
+            </a:endParaRPr>
+          </a:p>
+        </p:txBody>
+      </p:sp>
+      <p:sp>
+        <p:nvSpPr>
+          <p:cNvPr id="6" name="Rectangle 5">
+            <a:extLst>
+              <a:ext uri="{FF2B5EF4-FFF2-40B4-BE49-F238E27FC236}">
+                <a16:creationId xmlns:a16="http://schemas.microsoft.com/office/drawing/2014/main" id="{CA6F7EE0-FC8B-44C8-8752-29702A7745F1}"/>
+              </a:ext>
+            </a:extLst>
+          </p:cNvPr>
+          <p:cNvSpPr/>
+          <p:nvPr/>
+        </p:nvSpPr>
+        <p:spPr>
+          <a:xfrm>
+            <a:off x="3237228" y="2286000"/>
+            <a:ext cx="1765300" cy="1143000"/>
+          </a:xfrm>
+          <a:prstGeom prst="rect">
+            <a:avLst/>
+          </a:prstGeom>
+          <a:noFill/>
+          <a:ln w="12700">
+            <a:solidFill>
+              <a:srgbClr val="5A6B86"/>
+            </a:solidFill>
+            <a:prstDash val="dash"/>
+          </a:ln>
+        </p:spPr>
+        <p:style>
+          <a:lnRef idx="2">
+            <a:schemeClr val="accent1">
+              <a:shade val="50000"/>
+            </a:schemeClr>
+          </a:lnRef>
+          <a:fillRef idx="1">
+            <a:schemeClr val="accent1"/>
+          </a:fillRef>
+          <a:effectRef idx="0">
+            <a:schemeClr val="accent1"/>
+          </a:effectRef>
+          <a:fontRef idx="minor">
+            <a:schemeClr val="lt1"/>
+          </a:fontRef>
+        </p:style>
+        <p:txBody>
+          <a:bodyPr rot="0" spcFirstLastPara="0" vertOverflow="overflow" horzOverflow="overflow" vert="horz" wrap="square" lIns="91440" tIns="91440" rIns="91440" bIns="45720" numCol="1" spcCol="0" rtlCol="0" fromWordArt="0" anchor="t" anchorCtr="0" forceAA="0" compatLnSpc="1">
+            <a:prstTxWarp prst="textNoShape">
+              <a:avLst/>
+            </a:prstTxWarp>
+            <a:noAutofit/>
+          </a:bodyPr>
+          <a:lstStyle/>
+          <a:p>
+            <a:pPr algn="ctr"/>
+            <a:r>
+              <a:rPr lang="en-US" sz="1200" dirty="0">
+                <a:solidFill>
+                  <a:srgbClr val="5A6B86"/>
+                </a:solidFill>
+              </a:rPr>
+              <a:t>Uploading image and running container</a:t>
+            </a:r>
+          </a:p>
+        </p:txBody>
+      </p:sp>
+      <p:sp>
+        <p:nvSpPr>
+          <p:cNvPr id="7" name="Rectangle 6">
+            <a:extLst>
+              <a:ext uri="{FF2B5EF4-FFF2-40B4-BE49-F238E27FC236}">
+                <a16:creationId xmlns:a16="http://schemas.microsoft.com/office/drawing/2014/main" id="{8931E4C6-A6C0-4C1A-993B-DAEF21A6A2ED}"/>
+              </a:ext>
+            </a:extLst>
+          </p:cNvPr>
+          <p:cNvSpPr/>
+          <p:nvPr/>
+        </p:nvSpPr>
+        <p:spPr>
+          <a:xfrm>
+            <a:off x="5568629" y="2286000"/>
+            <a:ext cx="1765300" cy="1143000"/>
+          </a:xfrm>
+          <a:prstGeom prst="rect">
+            <a:avLst/>
+          </a:prstGeom>
+          <a:noFill/>
+          <a:ln w="12700">
+            <a:solidFill>
+              <a:srgbClr val="5A6B86"/>
+            </a:solidFill>
+            <a:prstDash val="dash"/>
+          </a:ln>
+        </p:spPr>
+        <p:style>
+          <a:lnRef idx="2">
+            <a:schemeClr val="accent1">
+              <a:shade val="50000"/>
+            </a:schemeClr>
+          </a:lnRef>
+          <a:fillRef idx="1">
+            <a:schemeClr val="accent1"/>
+          </a:fillRef>
+          <a:effectRef idx="0">
+            <a:schemeClr val="accent1"/>
+          </a:effectRef>
+          <a:fontRef idx="minor">
+            <a:schemeClr val="lt1"/>
+          </a:fontRef>
+        </p:style>
+        <p:txBody>
+          <a:bodyPr rot="0" spcFirstLastPara="0" vertOverflow="overflow" horzOverflow="overflow" vert="horz" wrap="square" lIns="91440" tIns="91440" rIns="91440" bIns="45720" numCol="1" spcCol="0" rtlCol="0" fromWordArt="0" anchor="t" anchorCtr="0" forceAA="0" compatLnSpc="1">
+            <a:prstTxWarp prst="textNoShape">
+              <a:avLst/>
+            </a:prstTxWarp>
+            <a:noAutofit/>
+          </a:bodyPr>
+          <a:lstStyle/>
+          <a:p>
+            <a:pPr algn="ctr"/>
+            <a:r>
+              <a:rPr lang="en-US" sz="1200" dirty="0">
+                <a:solidFill>
+                  <a:srgbClr val="5A6B86"/>
+                </a:solidFill>
+              </a:rPr>
+              <a:t>Visualizing container data </a:t>
+            </a:r>
+          </a:p>
+        </p:txBody>
+      </p:sp>
+    </p:spTree>
+    <p:extLst>
+      <p:ext uri="{BB962C8B-B14F-4D97-AF65-F5344CB8AC3E}">
+        <p14:creationId xmlns:p14="http://schemas.microsoft.com/office/powerpoint/2010/main" val="1792930460"/>
       </p:ext>
     </p:extLst>
   </p:cSld>
